--- a/figures/introduction/ppts/summary of methods.pptx
+++ b/figures/introduction/ppts/summary of methods.pptx
@@ -6716,6 +6716,58 @@
           </p:style>
         </p:cxnSp>
       </p:grpSp>
+      <p:sp>
+        <p:nvSpPr>
+          <p:cNvPr id="69" name="Rounded Rectangle 68">
+            <a:extLst>
+              <a:ext uri="{FF2B5EF4-FFF2-40B4-BE49-F238E27FC236}">
+                <a16:creationId xmlns:a16="http://schemas.microsoft.com/office/drawing/2014/main" id="{D9E3055C-44A4-7813-75B9-D89A96E45931}"/>
+              </a:ext>
+            </a:extLst>
+          </p:cNvPr>
+          <p:cNvSpPr/>
+          <p:nvPr/>
+        </p:nvSpPr>
+        <p:spPr>
+          <a:xfrm>
+            <a:off x="0" y="-113122"/>
+            <a:ext cx="12415101" cy="4399372"/>
+          </a:xfrm>
+          <a:prstGeom prst="roundRect">
+            <a:avLst/>
+          </a:prstGeom>
+          <a:noFill/>
+          <a:ln w="25400">
+            <a:solidFill>
+              <a:schemeClr val="tx1"/>
+            </a:solidFill>
+          </a:ln>
+        </p:spPr>
+        <p:style>
+          <a:lnRef idx="2">
+            <a:schemeClr val="accent1">
+              <a:shade val="50000"/>
+            </a:schemeClr>
+          </a:lnRef>
+          <a:fillRef idx="1">
+            <a:schemeClr val="accent1"/>
+          </a:fillRef>
+          <a:effectRef idx="0">
+            <a:schemeClr val="accent1"/>
+          </a:effectRef>
+          <a:fontRef idx="minor">
+            <a:schemeClr val="lt1"/>
+          </a:fontRef>
+        </p:style>
+        <p:txBody>
+          <a:bodyPr rtlCol="0" anchor="ctr"/>
+          <a:lstStyle/>
+          <a:p>
+            <a:pPr algn="ctr"/>
+            <a:endParaRPr lang="en-JP"/>
+          </a:p>
+        </p:txBody>
+      </p:sp>
     </p:spTree>
     <p:extLst>
       <p:ext uri="{BB962C8B-B14F-4D97-AF65-F5344CB8AC3E}">

--- a/figures/introduction/ppts/summary of methods.pptx
+++ b/figures/introduction/ppts/summary of methods.pptx
@@ -108,6 +108,11 @@
       </a:defRPr>
     </a:lvl9pPr>
   </p:defaultTextStyle>
+  <p:extLst>
+    <p:ext uri="{EFAFB233-063F-42B5-8137-9DF3F51BA10A}">
+      <p15:sldGuideLst xmlns:p15="http://schemas.microsoft.com/office/powerpoint/2012/main"/>
+    </p:ext>
+  </p:extLst>
 </p:presentation>
 </file>
 
@@ -193,7 +198,7 @@
           <a:p>
             <a:fld id="{F1AA648B-D394-CA43-9B41-B7B0F09D9D16}" type="datetimeFigureOut">
               <a:rPr lang="en-JP" smtClean="0"/>
-              <a:t>2023/06/15</a:t>
+              <a:t>2023/06/19</a:t>
             </a:fld>
             <a:endParaRPr lang="en-JP"/>
           </a:p>
@@ -694,7 +699,7 @@
           <a:p>
             <a:fld id="{054B7E81-65F6-7F44-8EAB-8C11CFBA87B5}" type="datetimeFigureOut">
               <a:rPr lang="en-JP" smtClean="0"/>
-              <a:t>2023/06/15</a:t>
+              <a:t>2023/06/19</a:t>
             </a:fld>
             <a:endParaRPr lang="en-JP"/>
           </a:p>
@@ -894,7 +899,7 @@
           <a:p>
             <a:fld id="{054B7E81-65F6-7F44-8EAB-8C11CFBA87B5}" type="datetimeFigureOut">
               <a:rPr lang="en-JP" smtClean="0"/>
-              <a:t>2023/06/15</a:t>
+              <a:t>2023/06/19</a:t>
             </a:fld>
             <a:endParaRPr lang="en-JP"/>
           </a:p>
@@ -1104,7 +1109,7 @@
           <a:p>
             <a:fld id="{054B7E81-65F6-7F44-8EAB-8C11CFBA87B5}" type="datetimeFigureOut">
               <a:rPr lang="en-JP" smtClean="0"/>
-              <a:t>2023/06/15</a:t>
+              <a:t>2023/06/19</a:t>
             </a:fld>
             <a:endParaRPr lang="en-JP"/>
           </a:p>
@@ -1304,7 +1309,7 @@
           <a:p>
             <a:fld id="{054B7E81-65F6-7F44-8EAB-8C11CFBA87B5}" type="datetimeFigureOut">
               <a:rPr lang="en-JP" smtClean="0"/>
-              <a:t>2023/06/15</a:t>
+              <a:t>2023/06/19</a:t>
             </a:fld>
             <a:endParaRPr lang="en-JP"/>
           </a:p>
@@ -1580,7 +1585,7 @@
           <a:p>
             <a:fld id="{054B7E81-65F6-7F44-8EAB-8C11CFBA87B5}" type="datetimeFigureOut">
               <a:rPr lang="en-JP" smtClean="0"/>
-              <a:t>2023/06/15</a:t>
+              <a:t>2023/06/19</a:t>
             </a:fld>
             <a:endParaRPr lang="en-JP"/>
           </a:p>
@@ -1848,7 +1853,7 @@
           <a:p>
             <a:fld id="{054B7E81-65F6-7F44-8EAB-8C11CFBA87B5}" type="datetimeFigureOut">
               <a:rPr lang="en-JP" smtClean="0"/>
-              <a:t>2023/06/15</a:t>
+              <a:t>2023/06/19</a:t>
             </a:fld>
             <a:endParaRPr lang="en-JP"/>
           </a:p>
@@ -2263,7 +2268,7 @@
           <a:p>
             <a:fld id="{054B7E81-65F6-7F44-8EAB-8C11CFBA87B5}" type="datetimeFigureOut">
               <a:rPr lang="en-JP" smtClean="0"/>
-              <a:t>2023/06/15</a:t>
+              <a:t>2023/06/19</a:t>
             </a:fld>
             <a:endParaRPr lang="en-JP"/>
           </a:p>
@@ -2405,7 +2410,7 @@
           <a:p>
             <a:fld id="{054B7E81-65F6-7F44-8EAB-8C11CFBA87B5}" type="datetimeFigureOut">
               <a:rPr lang="en-JP" smtClean="0"/>
-              <a:t>2023/06/15</a:t>
+              <a:t>2023/06/19</a:t>
             </a:fld>
             <a:endParaRPr lang="en-JP"/>
           </a:p>
@@ -2518,7 +2523,7 @@
           <a:p>
             <a:fld id="{054B7E81-65F6-7F44-8EAB-8C11CFBA87B5}" type="datetimeFigureOut">
               <a:rPr lang="en-JP" smtClean="0"/>
-              <a:t>2023/06/15</a:t>
+              <a:t>2023/06/19</a:t>
             </a:fld>
             <a:endParaRPr lang="en-JP"/>
           </a:p>
@@ -2831,7 +2836,7 @@
           <a:p>
             <a:fld id="{054B7E81-65F6-7F44-8EAB-8C11CFBA87B5}" type="datetimeFigureOut">
               <a:rPr lang="en-JP" smtClean="0"/>
-              <a:t>2023/06/15</a:t>
+              <a:t>2023/06/19</a:t>
             </a:fld>
             <a:endParaRPr lang="en-JP"/>
           </a:p>
@@ -3120,7 +3125,7 @@
           <a:p>
             <a:fld id="{054B7E81-65F6-7F44-8EAB-8C11CFBA87B5}" type="datetimeFigureOut">
               <a:rPr lang="en-JP" smtClean="0"/>
-              <a:t>2023/06/15</a:t>
+              <a:t>2023/06/19</a:t>
             </a:fld>
             <a:endParaRPr lang="en-JP"/>
           </a:p>
@@ -3363,7 +3368,7 @@
           <a:p>
             <a:fld id="{054B7E81-65F6-7F44-8EAB-8C11CFBA87B5}" type="datetimeFigureOut">
               <a:rPr lang="en-JP" smtClean="0"/>
-              <a:t>2023/06/15</a:t>
+              <a:t>2023/06/19</a:t>
             </a:fld>
             <a:endParaRPr lang="en-JP"/>
           </a:p>
@@ -5456,19 +5461,7 @@
                   <a:latin typeface="Times New Roman" panose="02020603050405020304" pitchFamily="18" charset="0"/>
                   <a:cs typeface="Times New Roman" panose="02020603050405020304" pitchFamily="18" charset="0"/>
                 </a:rPr>
-                <a:t>-helix in </a:t>
-              </a:r>
-              <a:r>
-                <a:rPr lang="en-US" sz="1400" dirty="0">
-                  <a:solidFill>
-                    <a:schemeClr val="accent1">
-                      <a:lumMod val="75000"/>
-                    </a:schemeClr>
-                  </a:solidFill>
-                  <a:latin typeface="Times New Roman" panose="02020603050405020304" pitchFamily="18" charset="0"/>
-                  <a:cs typeface="Times New Roman" panose="02020603050405020304" pitchFamily="18" charset="0"/>
-                </a:rPr>
-                <a:t>chloroform</a:t>
+                <a:t>-helix in chloroform</a:t>
               </a:r>
             </a:p>
           </p:txBody>
